--- a/Presentation.pptx
+++ b/Presentation.pptx
@@ -113,6 +113,22 @@
       </a:defRPr>
     </a:lvl9pPr>
   </p:defaultTextStyle>
+  <p:extLst>
+    <p:ext uri="{EFAFB233-063F-42B5-8137-9DF3F51BA10A}">
+      <p15:sldGuideLst xmlns:p15="http://schemas.microsoft.com/office/powerpoint/2012/main">
+        <p15:guide id="1" orient="horz" pos="2160">
+          <p15:clr>
+            <a:srgbClr val="A4A3A4"/>
+          </p15:clr>
+        </p15:guide>
+        <p15:guide id="2" pos="3840">
+          <p15:clr>
+            <a:srgbClr val="A4A3A4"/>
+          </p15:clr>
+        </p15:guide>
+      </p15:sldGuideLst>
+    </p:ext>
+  </p:extLst>
 </p:presentation>
 </file>
 
@@ -198,7 +214,7 @@
           <a:p>
             <a:fld id="{A004158B-CCC3-44EA-970E-6CB78A74A68A}" type="datetimeFigureOut">
               <a:rPr lang="en-US" smtClean="0"/>
-              <a:t>12/15/2013</a:t>
+              <a:t>12/16/2013</a:t>
             </a:fld>
             <a:endParaRPr lang="en-US"/>
           </a:p>
@@ -649,7 +665,7 @@
           <a:p>
             <a:fld id="{4AAD347D-5ACD-4C99-B74B-A9C85AD731AF}" type="datetimeFigureOut">
               <a:rPr lang="en-US" dirty="0"/>
-              <a:t>12/15/2013</a:t>
+              <a:t>12/16/2013</a:t>
             </a:fld>
             <a:endParaRPr lang="en-US" dirty="0"/>
           </a:p>
@@ -919,7 +935,7 @@
           <a:p>
             <a:fld id="{4509A250-FF31-4206-8172-F9D3106AACB1}" type="datetimeFigureOut">
               <a:rPr lang="en-US" dirty="0"/>
-              <a:t>12/15/2013</a:t>
+              <a:t>12/16/2013</a:t>
             </a:fld>
             <a:endParaRPr lang="en-US" dirty="0"/>
           </a:p>
@@ -1108,7 +1124,7 @@
           <a:p>
             <a:fld id="{4509A250-FF31-4206-8172-F9D3106AACB1}" type="datetimeFigureOut">
               <a:rPr lang="en-US" dirty="0"/>
-              <a:t>12/15/2013</a:t>
+              <a:t>12/16/2013</a:t>
             </a:fld>
             <a:endParaRPr lang="en-US" dirty="0"/>
           </a:p>
@@ -1371,7 +1387,7 @@
           <a:p>
             <a:fld id="{4509A250-FF31-4206-8172-F9D3106AACB1}" type="datetimeFigureOut">
               <a:rPr lang="en-US" dirty="0"/>
-              <a:t>12/15/2013</a:t>
+              <a:t>12/16/2013</a:t>
             </a:fld>
             <a:endParaRPr lang="en-US" dirty="0"/>
           </a:p>
@@ -1698,7 +1714,7 @@
           <a:p>
             <a:fld id="{4509A250-FF31-4206-8172-F9D3106AACB1}" type="datetimeFigureOut">
               <a:rPr lang="en-US" dirty="0"/>
-              <a:t>12/15/2013</a:t>
+              <a:t>12/16/2013</a:t>
             </a:fld>
             <a:endParaRPr lang="en-US" dirty="0"/>
           </a:p>
@@ -2303,7 +2319,7 @@
           <a:p>
             <a:fld id="{4509A250-FF31-4206-8172-F9D3106AACB1}" type="datetimeFigureOut">
               <a:rPr lang="en-US" dirty="0"/>
-              <a:t>12/15/2013</a:t>
+              <a:t>12/16/2013</a:t>
             </a:fld>
             <a:endParaRPr lang="en-US" dirty="0"/>
           </a:p>
@@ -3145,7 +3161,7 @@
           <a:p>
             <a:fld id="{4509A250-FF31-4206-8172-F9D3106AACB1}" type="datetimeFigureOut">
               <a:rPr lang="en-US" dirty="0"/>
-              <a:t>12/15/2013</a:t>
+              <a:t>12/16/2013</a:t>
             </a:fld>
             <a:endParaRPr lang="en-US" dirty="0"/>
           </a:p>
@@ -3310,7 +3326,7 @@
           <a:p>
             <a:fld id="{4509A250-FF31-4206-8172-F9D3106AACB1}" type="datetimeFigureOut">
               <a:rPr lang="en-US" dirty="0"/>
-              <a:t>12/15/2013</a:t>
+              <a:t>12/16/2013</a:t>
             </a:fld>
             <a:endParaRPr lang="en-US" dirty="0"/>
           </a:p>
@@ -3485,7 +3501,7 @@
           <a:p>
             <a:fld id="{4509A250-FF31-4206-8172-F9D3106AACB1}" type="datetimeFigureOut">
               <a:rPr lang="en-US" dirty="0"/>
-              <a:t>12/15/2013</a:t>
+              <a:t>12/16/2013</a:t>
             </a:fld>
             <a:endParaRPr lang="en-US" dirty="0"/>
           </a:p>
@@ -3650,7 +3666,7 @@
           <a:p>
             <a:fld id="{4509A250-FF31-4206-8172-F9D3106AACB1}" type="datetimeFigureOut">
               <a:rPr lang="en-US" dirty="0"/>
-              <a:t>12/15/2013</a:t>
+              <a:t>12/16/2013</a:t>
             </a:fld>
             <a:endParaRPr lang="en-US" dirty="0"/>
           </a:p>
@@ -3889,7 +3905,7 @@
           <a:p>
             <a:fld id="{4509A250-FF31-4206-8172-F9D3106AACB1}" type="datetimeFigureOut">
               <a:rPr lang="en-US" dirty="0"/>
-              <a:t>12/15/2013</a:t>
+              <a:t>12/16/2013</a:t>
             </a:fld>
             <a:endParaRPr lang="en-US" dirty="0"/>
           </a:p>
@@ -4176,7 +4192,7 @@
           <a:p>
             <a:fld id="{4509A250-FF31-4206-8172-F9D3106AACB1}" type="datetimeFigureOut">
               <a:rPr lang="en-US" dirty="0"/>
-              <a:t>12/15/2013</a:t>
+              <a:t>12/16/2013</a:t>
             </a:fld>
             <a:endParaRPr lang="en-US" dirty="0"/>
           </a:p>
@@ -4609,7 +4625,7 @@
           <a:p>
             <a:fld id="{4509A250-FF31-4206-8172-F9D3106AACB1}" type="datetimeFigureOut">
               <a:rPr lang="en-US" dirty="0"/>
-              <a:t>12/15/2013</a:t>
+              <a:t>12/16/2013</a:t>
             </a:fld>
             <a:endParaRPr lang="en-US" dirty="0"/>
           </a:p>
@@ -4722,7 +4738,7 @@
           <a:p>
             <a:fld id="{4509A250-FF31-4206-8172-F9D3106AACB1}" type="datetimeFigureOut">
               <a:rPr lang="en-US" dirty="0"/>
-              <a:t>12/15/2013</a:t>
+              <a:t>12/16/2013</a:t>
             </a:fld>
             <a:endParaRPr lang="en-US" dirty="0"/>
           </a:p>
@@ -4812,7 +4828,7 @@
           <a:p>
             <a:fld id="{4509A250-FF31-4206-8172-F9D3106AACB1}" type="datetimeFigureOut">
               <a:rPr lang="en-US" dirty="0"/>
-              <a:t>12/15/2013</a:t>
+              <a:t>12/16/2013</a:t>
             </a:fld>
             <a:endParaRPr lang="en-US" dirty="0"/>
           </a:p>
@@ -5086,7 +5102,7 @@
           <a:p>
             <a:fld id="{4509A250-FF31-4206-8172-F9D3106AACB1}" type="datetimeFigureOut">
               <a:rPr lang="en-US" dirty="0"/>
-              <a:t>12/15/2013</a:t>
+              <a:t>12/16/2013</a:t>
             </a:fld>
             <a:endParaRPr lang="en-US" dirty="0"/>
           </a:p>
@@ -5356,7 +5372,7 @@
           <a:p>
             <a:fld id="{4509A250-FF31-4206-8172-F9D3106AACB1}" type="datetimeFigureOut">
               <a:rPr lang="en-US" dirty="0"/>
-              <a:t>12/15/2013</a:t>
+              <a:t>12/16/2013</a:t>
             </a:fld>
             <a:endParaRPr lang="en-US" dirty="0"/>
           </a:p>
@@ -5780,7 +5796,7 @@
           <a:p>
             <a:fld id="{4509A250-FF31-4206-8172-F9D3106AACB1}" type="datetimeFigureOut">
               <a:rPr lang="en-US" dirty="0"/>
-              <a:t>12/15/2013</a:t>
+              <a:t>12/16/2013</a:t>
             </a:fld>
             <a:endParaRPr lang="en-US" dirty="0"/>
           </a:p>
@@ -6428,24 +6444,14 @@
             </a:r>
             <a:r>
               <a:rPr lang="en-US" sz="2800" dirty="0" smtClean="0"/>
-              <a:t> – </a:t>
-            </a:r>
+              <a:t> – Technical Lead/QA</a:t>
+            </a:r>
+          </a:p>
+          <a:p>
             <a:r>
               <a:rPr lang="en-US" sz="2800" dirty="0" smtClean="0"/>
-              <a:t>Technical Lead/QA</a:t>
-            </a:r>
-            <a:endParaRPr lang="en-US" sz="2800" dirty="0" smtClean="0"/>
-          </a:p>
-          <a:p>
-            <a:r>
-              <a:rPr lang="en-US" sz="2800" dirty="0" smtClean="0"/>
-              <a:t>JJ Harrison – </a:t>
-            </a:r>
-            <a:r>
-              <a:rPr lang="en-US" sz="2800" dirty="0" smtClean="0"/>
-              <a:t>Logic Programmer/Art</a:t>
-            </a:r>
-            <a:endParaRPr lang="en-US" sz="2800" dirty="0" smtClean="0"/>
+              <a:t>JJ Harrison – Logic Programmer/Art</a:t>
+            </a:r>
           </a:p>
         </p:txBody>
       </p:sp>
@@ -6521,7 +6527,7 @@
           <a:p>
             <a:r>
               <a:rPr lang="en-US" sz="3200" dirty="0" smtClean="0"/>
-              <a:t>This is our senior project.  We are making a </a:t>
+              <a:t>This is a single-player 2D </a:t>
             </a:r>
             <a:r>
               <a:rPr lang="en-US" sz="3200" dirty="0" err="1" smtClean="0"/>
@@ -6529,7 +6535,11 @@
             </a:r>
             <a:r>
               <a:rPr lang="en-US" sz="3200" dirty="0" smtClean="0"/>
-              <a:t> that reads from a text file and scripts a level that includes possibly scrolling, morphing, and dodging enemies.</a:t>
+              <a:t> in which the player is a lab experiment trying to escape the lab. You can find Modification Gems around the lab that give you </a:t>
+            </a:r>
+            <a:r>
+              <a:rPr lang="en-US" sz="3200" smtClean="0"/>
+              <a:t>special abilities. </a:t>
             </a:r>
             <a:endParaRPr lang="en-US" sz="3200" dirty="0"/>
           </a:p>
@@ -7150,7 +7160,7 @@
   <a:extraClrSchemeLst/>
   <a:extLst>
     <a:ext uri="{05A4C25C-085E-4340-85A3-A5531E510DB2}">
-      <thm15:themeFamily xmlns:thm15="http://schemas.microsoft.com/office/thememl/2012/main" xmlns="" name="Ion" id="{B8441ADB-2E43-4AF7-B97A-BD870242C6A8}" vid="{BACC050B-8757-4460-95D8-E37B46A6B421}"/>
+      <thm15:themeFamily xmlns:thm15="http://schemas.microsoft.com/office/thememl/2012/main" name="Ion" id="{B8441ADB-2E43-4AF7-B97A-BD870242C6A8}" vid="{BACC050B-8757-4460-95D8-E37B46A6B421}"/>
     </a:ext>
   </a:extLst>
 </a:theme>
@@ -7411,7 +7421,7 @@
   <a:extraClrSchemeLst/>
   <a:extLst>
     <a:ext uri="{05A4C25C-085E-4340-85A3-A5531E510DB2}">
-      <thm15:themeFamily xmlns:thm15="http://schemas.microsoft.com/office/thememl/2012/main" xmlns="" name="Office Theme" id="{62F939B6-93AF-4DB8-9C6B-D6C7DFDC589F}" vid="{4A3C46E8-61CC-4603-A589-7422A47A8E4A}"/>
+      <thm15:themeFamily xmlns:thm15="http://schemas.microsoft.com/office/thememl/2012/main" name="Office Theme" id="{62F939B6-93AF-4DB8-9C6B-D6C7DFDC589F}" vid="{4A3C46E8-61CC-4603-A589-7422A47A8E4A}"/>
     </a:ext>
   </a:extLst>
 </a:theme>

--- a/Presentation.pptx
+++ b/Presentation.pptx
@@ -5,16 +5,17 @@
     <p:sldMasterId id="2147483648" r:id="rId1"/>
   </p:sldMasterIdLst>
   <p:notesMasterIdLst>
-    <p:notesMasterId r:id="rId9"/>
+    <p:notesMasterId r:id="rId10"/>
   </p:notesMasterIdLst>
   <p:sldIdLst>
     <p:sldId id="256" r:id="rId2"/>
     <p:sldId id="262" r:id="rId3"/>
     <p:sldId id="258" r:id="rId4"/>
-    <p:sldId id="260" r:id="rId5"/>
-    <p:sldId id="263" r:id="rId6"/>
-    <p:sldId id="265" r:id="rId7"/>
-    <p:sldId id="261" r:id="rId8"/>
+    <p:sldId id="266" r:id="rId5"/>
+    <p:sldId id="260" r:id="rId6"/>
+    <p:sldId id="267" r:id="rId7"/>
+    <p:sldId id="263" r:id="rId8"/>
+    <p:sldId id="261" r:id="rId9"/>
   </p:sldIdLst>
   <p:sldSz cx="12192000" cy="6858000"/>
   <p:notesSz cx="6858000" cy="9144000"/>
@@ -115,7 +116,7 @@
   </p:defaultTextStyle>
   <p:extLst>
     <p:ext uri="{EFAFB233-063F-42B5-8137-9DF3F51BA10A}">
-      <p15:sldGuideLst xmlns:p15="http://schemas.microsoft.com/office/powerpoint/2012/main">
+      <p15:sldGuideLst xmlns="" xmlns:p15="http://schemas.microsoft.com/office/powerpoint/2012/main">
         <p15:guide id="1" orient="horz" pos="2160">
           <p15:clr>
             <a:srgbClr val="A4A3A4"/>
@@ -214,7 +215,7 @@
           <a:p>
             <a:fld id="{A004158B-CCC3-44EA-970E-6CB78A74A68A}" type="datetimeFigureOut">
               <a:rPr lang="en-US" smtClean="0"/>
-              <a:t>12/16/2013</a:t>
+              <a:t>12/17/2013</a:t>
             </a:fld>
             <a:endParaRPr lang="en-US"/>
           </a:p>
@@ -665,7 +666,7 @@
           <a:p>
             <a:fld id="{4AAD347D-5ACD-4C99-B74B-A9C85AD731AF}" type="datetimeFigureOut">
               <a:rPr lang="en-US" dirty="0"/>
-              <a:t>12/16/2013</a:t>
+              <a:t>12/17/2013</a:t>
             </a:fld>
             <a:endParaRPr lang="en-US" dirty="0"/>
           </a:p>
@@ -935,7 +936,7 @@
           <a:p>
             <a:fld id="{4509A250-FF31-4206-8172-F9D3106AACB1}" type="datetimeFigureOut">
               <a:rPr lang="en-US" dirty="0"/>
-              <a:t>12/16/2013</a:t>
+              <a:t>12/17/2013</a:t>
             </a:fld>
             <a:endParaRPr lang="en-US" dirty="0"/>
           </a:p>
@@ -1124,7 +1125,7 @@
           <a:p>
             <a:fld id="{4509A250-FF31-4206-8172-F9D3106AACB1}" type="datetimeFigureOut">
               <a:rPr lang="en-US" dirty="0"/>
-              <a:t>12/16/2013</a:t>
+              <a:t>12/17/2013</a:t>
             </a:fld>
             <a:endParaRPr lang="en-US" dirty="0"/>
           </a:p>
@@ -1387,7 +1388,7 @@
           <a:p>
             <a:fld id="{4509A250-FF31-4206-8172-F9D3106AACB1}" type="datetimeFigureOut">
               <a:rPr lang="en-US" dirty="0"/>
-              <a:t>12/16/2013</a:t>
+              <a:t>12/17/2013</a:t>
             </a:fld>
             <a:endParaRPr lang="en-US" dirty="0"/>
           </a:p>
@@ -1714,7 +1715,7 @@
           <a:p>
             <a:fld id="{4509A250-FF31-4206-8172-F9D3106AACB1}" type="datetimeFigureOut">
               <a:rPr lang="en-US" dirty="0"/>
-              <a:t>12/16/2013</a:t>
+              <a:t>12/17/2013</a:t>
             </a:fld>
             <a:endParaRPr lang="en-US" dirty="0"/>
           </a:p>
@@ -2319,7 +2320,7 @@
           <a:p>
             <a:fld id="{4509A250-FF31-4206-8172-F9D3106AACB1}" type="datetimeFigureOut">
               <a:rPr lang="en-US" dirty="0"/>
-              <a:t>12/16/2013</a:t>
+              <a:t>12/17/2013</a:t>
             </a:fld>
             <a:endParaRPr lang="en-US" dirty="0"/>
           </a:p>
@@ -3161,7 +3162,7 @@
           <a:p>
             <a:fld id="{4509A250-FF31-4206-8172-F9D3106AACB1}" type="datetimeFigureOut">
               <a:rPr lang="en-US" dirty="0"/>
-              <a:t>12/16/2013</a:t>
+              <a:t>12/17/2013</a:t>
             </a:fld>
             <a:endParaRPr lang="en-US" dirty="0"/>
           </a:p>
@@ -3326,7 +3327,7 @@
           <a:p>
             <a:fld id="{4509A250-FF31-4206-8172-F9D3106AACB1}" type="datetimeFigureOut">
               <a:rPr lang="en-US" dirty="0"/>
-              <a:t>12/16/2013</a:t>
+              <a:t>12/17/2013</a:t>
             </a:fld>
             <a:endParaRPr lang="en-US" dirty="0"/>
           </a:p>
@@ -3501,7 +3502,7 @@
           <a:p>
             <a:fld id="{4509A250-FF31-4206-8172-F9D3106AACB1}" type="datetimeFigureOut">
               <a:rPr lang="en-US" dirty="0"/>
-              <a:t>12/16/2013</a:t>
+              <a:t>12/17/2013</a:t>
             </a:fld>
             <a:endParaRPr lang="en-US" dirty="0"/>
           </a:p>
@@ -3666,7 +3667,7 @@
           <a:p>
             <a:fld id="{4509A250-FF31-4206-8172-F9D3106AACB1}" type="datetimeFigureOut">
               <a:rPr lang="en-US" dirty="0"/>
-              <a:t>12/16/2013</a:t>
+              <a:t>12/17/2013</a:t>
             </a:fld>
             <a:endParaRPr lang="en-US" dirty="0"/>
           </a:p>
@@ -3905,7 +3906,7 @@
           <a:p>
             <a:fld id="{4509A250-FF31-4206-8172-F9D3106AACB1}" type="datetimeFigureOut">
               <a:rPr lang="en-US" dirty="0"/>
-              <a:t>12/16/2013</a:t>
+              <a:t>12/17/2013</a:t>
             </a:fld>
             <a:endParaRPr lang="en-US" dirty="0"/>
           </a:p>
@@ -4192,7 +4193,7 @@
           <a:p>
             <a:fld id="{4509A250-FF31-4206-8172-F9D3106AACB1}" type="datetimeFigureOut">
               <a:rPr lang="en-US" dirty="0"/>
-              <a:t>12/16/2013</a:t>
+              <a:t>12/17/2013</a:t>
             </a:fld>
             <a:endParaRPr lang="en-US" dirty="0"/>
           </a:p>
@@ -4625,7 +4626,7 @@
           <a:p>
             <a:fld id="{4509A250-FF31-4206-8172-F9D3106AACB1}" type="datetimeFigureOut">
               <a:rPr lang="en-US" dirty="0"/>
-              <a:t>12/16/2013</a:t>
+              <a:t>12/17/2013</a:t>
             </a:fld>
             <a:endParaRPr lang="en-US" dirty="0"/>
           </a:p>
@@ -4738,7 +4739,7 @@
           <a:p>
             <a:fld id="{4509A250-FF31-4206-8172-F9D3106AACB1}" type="datetimeFigureOut">
               <a:rPr lang="en-US" dirty="0"/>
-              <a:t>12/16/2013</a:t>
+              <a:t>12/17/2013</a:t>
             </a:fld>
             <a:endParaRPr lang="en-US" dirty="0"/>
           </a:p>
@@ -4828,7 +4829,7 @@
           <a:p>
             <a:fld id="{4509A250-FF31-4206-8172-F9D3106AACB1}" type="datetimeFigureOut">
               <a:rPr lang="en-US" dirty="0"/>
-              <a:t>12/16/2013</a:t>
+              <a:t>12/17/2013</a:t>
             </a:fld>
             <a:endParaRPr lang="en-US" dirty="0"/>
           </a:p>
@@ -5102,7 +5103,7 @@
           <a:p>
             <a:fld id="{4509A250-FF31-4206-8172-F9D3106AACB1}" type="datetimeFigureOut">
               <a:rPr lang="en-US" dirty="0"/>
-              <a:t>12/16/2013</a:t>
+              <a:t>12/17/2013</a:t>
             </a:fld>
             <a:endParaRPr lang="en-US" dirty="0"/>
           </a:p>
@@ -5372,7 +5373,7 @@
           <a:p>
             <a:fld id="{4509A250-FF31-4206-8172-F9D3106AACB1}" type="datetimeFigureOut">
               <a:rPr lang="en-US" dirty="0"/>
-              <a:t>12/16/2013</a:t>
+              <a:t>12/17/2013</a:t>
             </a:fld>
             <a:endParaRPr lang="en-US" dirty="0"/>
           </a:p>
@@ -5796,7 +5797,7 @@
           <a:p>
             <a:fld id="{4509A250-FF31-4206-8172-F9D3106AACB1}" type="datetimeFigureOut">
               <a:rPr lang="en-US" dirty="0"/>
-              <a:t>12/16/2013</a:t>
+              <a:t>12/17/2013</a:t>
             </a:fld>
             <a:endParaRPr lang="en-US" dirty="0"/>
           </a:p>
@@ -6577,61 +6578,61 @@
       </p:grpSpPr>
       <p:sp>
         <p:nvSpPr>
-          <p:cNvPr id="3" name="Content Placeholder 2"/>
-          <p:cNvSpPr>
-            <a:spLocks noGrp="1"/>
-          </p:cNvSpPr>
+          <p:cNvPr id="2" name="Title 1"/>
+          <p:cNvSpPr>
+            <a:spLocks noGrp="1"/>
+          </p:cNvSpPr>
+          <p:nvPr>
+            <p:ph type="title"/>
+          </p:nvPr>
+        </p:nvSpPr>
+        <p:spPr/>
+        <p:txBody>
+          <a:bodyPr/>
+          <a:lstStyle/>
+          <a:p>
+            <a:pPr algn="ctr"/>
+            <a:r>
+              <a:rPr lang="en-US" dirty="0" smtClean="0"/>
+              <a:t>Screenshot</a:t>
+            </a:r>
+            <a:endParaRPr lang="en-US" dirty="0"/>
+          </a:p>
+        </p:txBody>
+      </p:sp>
+      <p:pic>
+        <p:nvPicPr>
+          <p:cNvPr id="4" name="Content Placeholder 3"/>
+          <p:cNvPicPr>
+            <a:picLocks noGrp="1" noChangeAspect="1"/>
+          </p:cNvPicPr>
           <p:nvPr>
             <p:ph idx="1"/>
           </p:nvPr>
-        </p:nvSpPr>
+        </p:nvPicPr>
+        <p:blipFill>
+          <a:blip r:embed="rId2">
+            <a:extLst>
+              <a:ext uri="{28A0092B-C50C-407E-A947-70E740481C1C}">
+                <a14:useLocalDpi xmlns:a14="http://schemas.microsoft.com/office/drawing/2010/main" val="0"/>
+              </a:ext>
+            </a:extLst>
+          </a:blip>
+          <a:stretch>
+            <a:fillRect/>
+          </a:stretch>
+        </p:blipFill>
         <p:spPr>
           <a:xfrm>
-            <a:off x="0" y="0"/>
-            <a:ext cx="12192000" cy="6858000"/>
+            <a:off x="2779713" y="2052638"/>
+            <a:ext cx="5594349" cy="4195762"/>
           </a:xfrm>
         </p:spPr>
-        <p:txBody>
-          <a:bodyPr>
-            <a:normAutofit/>
-          </a:bodyPr>
-          <a:lstStyle/>
-          <a:p>
-            <a:pPr lvl="3"/>
-            <a:endParaRPr lang="en-US" sz="6000" dirty="0" smtClean="0"/>
-          </a:p>
-          <a:p>
-            <a:pPr marL="1371600" lvl="3" indent="0">
-              <a:buNone/>
-            </a:pPr>
-            <a:endParaRPr lang="en-US" sz="6000" dirty="0"/>
-          </a:p>
-          <a:p>
-            <a:pPr marL="1371600" lvl="3" indent="0">
-              <a:buNone/>
-            </a:pPr>
-            <a:endParaRPr lang="en-US" sz="6000" dirty="0" smtClean="0"/>
-          </a:p>
-          <a:p>
-            <a:pPr marL="1371600" lvl="3" indent="0">
-              <a:buNone/>
-            </a:pPr>
-            <a:r>
-              <a:rPr lang="en-US" sz="6000" dirty="0"/>
-              <a:t>	</a:t>
-            </a:r>
-            <a:r>
-              <a:rPr lang="en-US" sz="6000" dirty="0" smtClean="0"/>
-              <a:t>						DEMO </a:t>
-            </a:r>
-            <a:endParaRPr lang="en-US" sz="6000" dirty="0"/>
-          </a:p>
-        </p:txBody>
-      </p:sp>
+      </p:pic>
     </p:spTree>
     <p:extLst>
       <p:ext uri="{BB962C8B-B14F-4D97-AF65-F5344CB8AC3E}">
-        <p14:creationId xmlns:p14="http://schemas.microsoft.com/office/powerpoint/2010/main" val="4245032802"/>
+        <p14:creationId xmlns:p14="http://schemas.microsoft.com/office/powerpoint/2010/main" val="2856811702"/>
       </p:ext>
     </p:extLst>
   </p:cSld>
@@ -6660,29 +6661,6 @@
       </p:grpSpPr>
       <p:sp>
         <p:nvSpPr>
-          <p:cNvPr id="2" name="Title 1"/>
-          <p:cNvSpPr>
-            <a:spLocks noGrp="1"/>
-          </p:cNvSpPr>
-          <p:nvPr>
-            <p:ph type="title"/>
-          </p:nvPr>
-        </p:nvSpPr>
-        <p:spPr/>
-        <p:txBody>
-          <a:bodyPr/>
-          <a:lstStyle/>
-          <a:p>
-            <a:r>
-              <a:rPr lang="en-US" dirty="0" smtClean="0"/>
-              <a:t>Questions?</a:t>
-            </a:r>
-            <a:endParaRPr lang="en-US" dirty="0"/>
-          </a:p>
-        </p:txBody>
-      </p:sp>
-      <p:sp>
-        <p:nvSpPr>
           <p:cNvPr id="3" name="Content Placeholder 2"/>
           <p:cNvSpPr>
             <a:spLocks noGrp="1"/>
@@ -6691,23 +6669,53 @@
             <p:ph idx="1"/>
           </p:nvPr>
         </p:nvSpPr>
-        <p:spPr/>
-        <p:txBody>
-          <a:bodyPr/>
-          <a:lstStyle/>
-          <a:p>
-            <a:r>
-              <a:rPr lang="en-US" dirty="0" smtClean="0"/>
-              <a:t>Anyone have any?</a:t>
-            </a:r>
-            <a:endParaRPr lang="en-US" dirty="0"/>
+        <p:spPr>
+          <a:xfrm>
+            <a:off x="0" y="0"/>
+            <a:ext cx="12192000" cy="6858000"/>
+          </a:xfrm>
+        </p:spPr>
+        <p:txBody>
+          <a:bodyPr>
+            <a:normAutofit/>
+          </a:bodyPr>
+          <a:lstStyle/>
+          <a:p>
+            <a:pPr lvl="3"/>
+            <a:endParaRPr lang="en-US" sz="6000" dirty="0" smtClean="0"/>
+          </a:p>
+          <a:p>
+            <a:pPr marL="1371600" lvl="3" indent="0">
+              <a:buNone/>
+            </a:pPr>
+            <a:endParaRPr lang="en-US" sz="6000" dirty="0"/>
+          </a:p>
+          <a:p>
+            <a:pPr marL="1371600" lvl="3" indent="0">
+              <a:buNone/>
+            </a:pPr>
+            <a:endParaRPr lang="en-US" sz="6000" dirty="0" smtClean="0"/>
+          </a:p>
+          <a:p>
+            <a:pPr marL="1371600" lvl="3" indent="0">
+              <a:buNone/>
+            </a:pPr>
+            <a:r>
+              <a:rPr lang="en-US" sz="6000" dirty="0"/>
+              <a:t>	</a:t>
+            </a:r>
+            <a:r>
+              <a:rPr lang="en-US" sz="6000" dirty="0" smtClean="0"/>
+              <a:t>						DEMO </a:t>
+            </a:r>
+            <a:endParaRPr lang="en-US" sz="6000" dirty="0"/>
           </a:p>
         </p:txBody>
       </p:sp>
     </p:spTree>
     <p:extLst>
       <p:ext uri="{BB962C8B-B14F-4D97-AF65-F5344CB8AC3E}">
-        <p14:creationId xmlns:p14="http://schemas.microsoft.com/office/powerpoint/2010/main" val="4280070010"/>
+        <p14:creationId xmlns:p14="http://schemas.microsoft.com/office/powerpoint/2010/main" val="4245032802"/>
       </p:ext>
     </p:extLst>
   </p:cSld>
@@ -6780,30 +6788,44 @@
           <a:p>
             <a:r>
               <a:rPr lang="en-US" dirty="0" smtClean="0"/>
-              <a:t>Spend more time learning Version Control (</a:t>
-            </a:r>
-            <a:r>
-              <a:rPr lang="en-US" dirty="0" err="1" smtClean="0"/>
-              <a:t>GitHub</a:t>
-            </a:r>
+              <a:t>Teach other programmers technical requirements</a:t>
+            </a:r>
+          </a:p>
+          <a:p>
             <a:r>
               <a:rPr lang="en-US" dirty="0" smtClean="0"/>
-              <a:t>)</a:t>
-            </a:r>
-          </a:p>
-          <a:p>
+              <a:t>Don’t take </a:t>
+            </a:r>
             <a:r>
               <a:rPr lang="en-US" dirty="0" smtClean="0"/>
-              <a:t>Some things are not so obvious to the eye when coding.</a:t>
-            </a:r>
-            <a:endParaRPr lang="en-US" dirty="0"/>
+              <a:t>2 </a:t>
+            </a:r>
+            <a:r>
+              <a:rPr lang="en-US" smtClean="0"/>
+              <a:t>or more </a:t>
+            </a:r>
+            <a:r>
+              <a:rPr lang="en-US" dirty="0" smtClean="0"/>
+              <a:t>project classes at once when you’re in the same team</a:t>
+            </a:r>
+            <a:r>
+              <a:rPr lang="en-US" dirty="0" smtClean="0"/>
+              <a:t>.</a:t>
+            </a:r>
+          </a:p>
+          <a:p>
+            <a:r>
+              <a:rPr lang="en-US" dirty="0" smtClean="0"/>
+              <a:t>Don’t take pre-existing code for granted!</a:t>
+            </a:r>
+            <a:endParaRPr lang="en-US" dirty="0" smtClean="0"/>
           </a:p>
         </p:txBody>
       </p:sp>
     </p:spTree>
     <p:extLst>
       <p:ext uri="{BB962C8B-B14F-4D97-AF65-F5344CB8AC3E}">
-        <p14:creationId xmlns:p14="http://schemas.microsoft.com/office/powerpoint/2010/main" val="1111002844"/>
+        <p14:creationId xmlns:p14="http://schemas.microsoft.com/office/powerpoint/2010/main" val="3705804623"/>
       </p:ext>
     </p:extLst>
   </p:cSld>
@@ -6814,6 +6836,82 @@
 </file>
 
 <file path=ppt/slides/slide7.xml><?xml version="1.0" encoding="utf-8"?>
+<p:sld xmlns:a="http://schemas.openxmlformats.org/drawingml/2006/main" xmlns:r="http://schemas.openxmlformats.org/officeDocument/2006/relationships" xmlns:p="http://schemas.openxmlformats.org/presentationml/2006/main">
+  <p:cSld>
+    <p:spTree>
+      <p:nvGrpSpPr>
+        <p:cNvPr id="1" name=""/>
+        <p:cNvGrpSpPr/>
+        <p:nvPr/>
+      </p:nvGrpSpPr>
+      <p:grpSpPr>
+        <a:xfrm>
+          <a:off x="0" y="0"/>
+          <a:ext cx="0" cy="0"/>
+          <a:chOff x="0" y="0"/>
+          <a:chExt cx="0" cy="0"/>
+        </a:xfrm>
+      </p:grpSpPr>
+      <p:sp>
+        <p:nvSpPr>
+          <p:cNvPr id="2" name="Title 1"/>
+          <p:cNvSpPr>
+            <a:spLocks noGrp="1"/>
+          </p:cNvSpPr>
+          <p:nvPr>
+            <p:ph type="title"/>
+          </p:nvPr>
+        </p:nvSpPr>
+        <p:spPr/>
+        <p:txBody>
+          <a:bodyPr/>
+          <a:lstStyle/>
+          <a:p>
+            <a:r>
+              <a:rPr lang="en-US" dirty="0" smtClean="0"/>
+              <a:t>Questions?</a:t>
+            </a:r>
+            <a:endParaRPr lang="en-US" dirty="0"/>
+          </a:p>
+        </p:txBody>
+      </p:sp>
+      <p:sp>
+        <p:nvSpPr>
+          <p:cNvPr id="3" name="Content Placeholder 2"/>
+          <p:cNvSpPr>
+            <a:spLocks noGrp="1"/>
+          </p:cNvSpPr>
+          <p:nvPr>
+            <p:ph idx="1"/>
+          </p:nvPr>
+        </p:nvSpPr>
+        <p:spPr/>
+        <p:txBody>
+          <a:bodyPr/>
+          <a:lstStyle/>
+          <a:p>
+            <a:r>
+              <a:rPr lang="en-US" dirty="0" smtClean="0"/>
+              <a:t>Anyone have any?</a:t>
+            </a:r>
+            <a:endParaRPr lang="en-US" dirty="0"/>
+          </a:p>
+        </p:txBody>
+      </p:sp>
+    </p:spTree>
+    <p:extLst>
+      <p:ext uri="{BB962C8B-B14F-4D97-AF65-F5344CB8AC3E}">
+        <p14:creationId xmlns:p14="http://schemas.microsoft.com/office/powerpoint/2010/main" val="4280070010"/>
+      </p:ext>
+    </p:extLst>
+  </p:cSld>
+  <p:clrMapOvr>
+    <a:masterClrMapping/>
+  </p:clrMapOvr>
+</p:sld>
+</file>
+
+<file path=ppt/slides/slide8.xml><?xml version="1.0" encoding="utf-8"?>
 <p:sld xmlns:a="http://schemas.openxmlformats.org/drawingml/2006/main" xmlns:r="http://schemas.openxmlformats.org/officeDocument/2006/relationships" xmlns:p="http://schemas.openxmlformats.org/presentationml/2006/main">
   <p:cSld>
     <p:spTree>
@@ -7160,7 +7258,7 @@
   <a:extraClrSchemeLst/>
   <a:extLst>
     <a:ext uri="{05A4C25C-085E-4340-85A3-A5531E510DB2}">
-      <thm15:themeFamily xmlns:thm15="http://schemas.microsoft.com/office/thememl/2012/main" name="Ion" id="{B8441ADB-2E43-4AF7-B97A-BD870242C6A8}" vid="{BACC050B-8757-4460-95D8-E37B46A6B421}"/>
+      <thm15:themeFamily xmlns="" xmlns:thm15="http://schemas.microsoft.com/office/thememl/2012/main" name="Ion" id="{B8441ADB-2E43-4AF7-B97A-BD870242C6A8}" vid="{BACC050B-8757-4460-95D8-E37B46A6B421}"/>
     </a:ext>
   </a:extLst>
 </a:theme>
@@ -7421,7 +7519,7 @@
   <a:extraClrSchemeLst/>
   <a:extLst>
     <a:ext uri="{05A4C25C-085E-4340-85A3-A5531E510DB2}">
-      <thm15:themeFamily xmlns:thm15="http://schemas.microsoft.com/office/thememl/2012/main" name="Office Theme" id="{62F939B6-93AF-4DB8-9C6B-D6C7DFDC589F}" vid="{4A3C46E8-61CC-4603-A589-7422A47A8E4A}"/>
+      <thm15:themeFamily xmlns="" xmlns:thm15="http://schemas.microsoft.com/office/thememl/2012/main" name="Office Theme" id="{62F939B6-93AF-4DB8-9C6B-D6C7DFDC589F}" vid="{4A3C46E8-61CC-4603-A589-7422A47A8E4A}"/>
     </a:ext>
   </a:extLst>
 </a:theme>
